--- a/Report Big Data Nhóm 5.pptx
+++ b/Report Big Data Nhóm 5.pptx
@@ -5,7 +5,7 @@
     <p:sldMasterId id="2147483660" r:id="rId1"/>
   </p:sldMasterIdLst>
   <p:notesMasterIdLst>
-    <p:notesMasterId r:id="rId19"/>
+    <p:notesMasterId r:id="rId20"/>
   </p:notesMasterIdLst>
   <p:sldIdLst>
     <p:sldId id="257" r:id="rId2"/>
@@ -22,9 +22,10 @@
     <p:sldId id="280" r:id="rId13"/>
     <p:sldId id="281" r:id="rId14"/>
     <p:sldId id="282" r:id="rId15"/>
-    <p:sldId id="275" r:id="rId16"/>
-    <p:sldId id="278" r:id="rId17"/>
-    <p:sldId id="283" r:id="rId18"/>
+    <p:sldId id="284" r:id="rId16"/>
+    <p:sldId id="275" r:id="rId17"/>
+    <p:sldId id="278" r:id="rId18"/>
+    <p:sldId id="283" r:id="rId19"/>
   </p:sldIdLst>
   <p:sldSz cx="12192000" cy="6858000"/>
   <p:notesSz cx="6858000" cy="9144000"/>
@@ -123,6 +124,11 @@
       </a:defRPr>
     </a:lvl9pPr>
   </p:defaultTextStyle>
+  <p:extLst>
+    <p:ext uri="{EFAFB233-063F-42B5-8137-9DF3F51BA10A}">
+      <p15:sldGuideLst xmlns:p15="http://schemas.microsoft.com/office/powerpoint/2012/main"/>
+    </p:ext>
+  </p:extLst>
 </p:presentation>
 </file>
 
@@ -131,12 +137,57 @@
   <pc:docChgLst>
     <pc:chgData name="Minh Khoa Nguyễn Lê" userId="3a0548e66c449e7b" providerId="LiveId" clId="{0D45FF41-1EDF-4AE8-92E8-D83EE474E208}"/>
     <pc:docChg chg="undo custSel addSld delSld modSld">
-      <pc:chgData name="Minh Khoa Nguyễn Lê" userId="3a0548e66c449e7b" providerId="LiveId" clId="{0D45FF41-1EDF-4AE8-92E8-D83EE474E208}" dt="2023-11-07T15:49:40.570" v="162" actId="1076"/>
+      <pc:chgData name="Minh Khoa Nguyễn Lê" userId="3a0548e66c449e7b" providerId="LiveId" clId="{0D45FF41-1EDF-4AE8-92E8-D83EE474E208}" dt="2023-11-09T14:39:03.711" v="307" actId="1076"/>
       <pc:docMkLst>
         <pc:docMk/>
       </pc:docMkLst>
+      <pc:sldChg chg="setBg">
+        <pc:chgData name="Minh Khoa Nguyễn Lê" userId="3a0548e66c449e7b" providerId="LiveId" clId="{0D45FF41-1EDF-4AE8-92E8-D83EE474E208}" dt="2023-11-09T13:46:57.010" v="178"/>
+        <pc:sldMkLst>
+          <pc:docMk/>
+          <pc:sldMk cId="0" sldId="257"/>
+        </pc:sldMkLst>
+      </pc:sldChg>
+      <pc:sldChg chg="addSp delSp modSp mod">
+        <pc:chgData name="Minh Khoa Nguyễn Lê" userId="3a0548e66c449e7b" providerId="LiveId" clId="{0D45FF41-1EDF-4AE8-92E8-D83EE474E208}" dt="2023-11-09T14:10:23.380" v="287" actId="478"/>
+        <pc:sldMkLst>
+          <pc:docMk/>
+          <pc:sldMk cId="0" sldId="259"/>
+        </pc:sldMkLst>
+        <pc:spChg chg="add del mod">
+          <ac:chgData name="Minh Khoa Nguyễn Lê" userId="3a0548e66c449e7b" providerId="LiveId" clId="{0D45FF41-1EDF-4AE8-92E8-D83EE474E208}" dt="2023-11-09T14:10:23.380" v="287" actId="478"/>
+          <ac:spMkLst>
+            <pc:docMk/>
+            <pc:sldMk cId="0" sldId="259"/>
+            <ac:spMk id="3" creationId="{DCF1FE54-4C17-8993-5814-D13E8300C7F1}"/>
+          </ac:spMkLst>
+        </pc:spChg>
+        <pc:spChg chg="del">
+          <ac:chgData name="Minh Khoa Nguyễn Lê" userId="3a0548e66c449e7b" providerId="LiveId" clId="{0D45FF41-1EDF-4AE8-92E8-D83EE474E208}" dt="2023-11-09T14:10:22.369" v="286" actId="478"/>
+          <ac:spMkLst>
+            <pc:docMk/>
+            <pc:sldMk cId="0" sldId="259"/>
+            <ac:spMk id="452" creationId="{00000000-0000-0000-0000-000000000000}"/>
+          </ac:spMkLst>
+        </pc:spChg>
+      </pc:sldChg>
       <pc:sldChg chg="modSp mod">
-        <pc:chgData name="Minh Khoa Nguyễn Lê" userId="3a0548e66c449e7b" providerId="LiveId" clId="{0D45FF41-1EDF-4AE8-92E8-D83EE474E208}" dt="2023-11-07T15:29:30.440" v="114" actId="1076"/>
+        <pc:chgData name="Minh Khoa Nguyễn Lê" userId="3a0548e66c449e7b" providerId="LiveId" clId="{0D45FF41-1EDF-4AE8-92E8-D83EE474E208}" dt="2023-11-09T14:10:43.823" v="291" actId="20577"/>
+        <pc:sldMkLst>
+          <pc:docMk/>
+          <pc:sldMk cId="0" sldId="261"/>
+        </pc:sldMkLst>
+        <pc:spChg chg="mod">
+          <ac:chgData name="Minh Khoa Nguyễn Lê" userId="3a0548e66c449e7b" providerId="LiveId" clId="{0D45FF41-1EDF-4AE8-92E8-D83EE474E208}" dt="2023-11-09T14:10:43.823" v="291" actId="20577"/>
+          <ac:spMkLst>
+            <pc:docMk/>
+            <pc:sldMk cId="0" sldId="261"/>
+            <ac:spMk id="469" creationId="{00000000-0000-0000-0000-000000000000}"/>
+          </ac:spMkLst>
+        </pc:spChg>
+      </pc:sldChg>
+      <pc:sldChg chg="addSp modSp mod">
+        <pc:chgData name="Minh Khoa Nguyễn Lê" userId="3a0548e66c449e7b" providerId="LiveId" clId="{0D45FF41-1EDF-4AE8-92E8-D83EE474E208}" dt="2023-11-09T14:10:03.427" v="285" actId="1076"/>
         <pc:sldMkLst>
           <pc:docMk/>
           <pc:sldMk cId="2624593048" sldId="277"/>
@@ -149,6 +200,14 @@
             <ac:spMk id="469" creationId="{00000000-0000-0000-0000-000000000000}"/>
           </ac:spMkLst>
         </pc:spChg>
+        <pc:picChg chg="add mod">
+          <ac:chgData name="Minh Khoa Nguyễn Lê" userId="3a0548e66c449e7b" providerId="LiveId" clId="{0D45FF41-1EDF-4AE8-92E8-D83EE474E208}" dt="2023-11-09T14:10:03.427" v="285" actId="1076"/>
+          <ac:picMkLst>
+            <pc:docMk/>
+            <pc:sldMk cId="2624593048" sldId="277"/>
+            <ac:picMk id="3" creationId="{E1660838-60FD-B43C-80DD-4110BD4F2EC6}"/>
+          </ac:picMkLst>
+        </pc:picChg>
         <pc:picChg chg="mod">
           <ac:chgData name="Minh Khoa Nguyễn Lê" userId="3a0548e66c449e7b" providerId="LiveId" clId="{0D45FF41-1EDF-4AE8-92E8-D83EE474E208}" dt="2023-11-07T15:29:30.440" v="114" actId="1076"/>
           <ac:picMkLst>
@@ -159,7 +218,7 @@
         </pc:picChg>
       </pc:sldChg>
       <pc:sldChg chg="addSp delSp modSp mod">
-        <pc:chgData name="Minh Khoa Nguyễn Lê" userId="3a0548e66c449e7b" providerId="LiveId" clId="{0D45FF41-1EDF-4AE8-92E8-D83EE474E208}" dt="2023-11-07T15:48:51.219" v="156" actId="1076"/>
+        <pc:chgData name="Minh Khoa Nguyễn Lê" userId="3a0548e66c449e7b" providerId="LiveId" clId="{0D45FF41-1EDF-4AE8-92E8-D83EE474E208}" dt="2023-11-09T14:39:03.711" v="307" actId="1076"/>
         <pc:sldMkLst>
           <pc:docMk/>
           <pc:sldMk cId="4247378289" sldId="278"/>
@@ -172,12 +231,28 @@
             <ac:spMk id="469" creationId="{00000000-0000-0000-0000-000000000000}"/>
           </ac:spMkLst>
         </pc:spChg>
-        <pc:picChg chg="add mod">
-          <ac:chgData name="Minh Khoa Nguyễn Lê" userId="3a0548e66c449e7b" providerId="LiveId" clId="{0D45FF41-1EDF-4AE8-92E8-D83EE474E208}" dt="2023-11-07T15:48:51.219" v="156" actId="1076"/>
+        <pc:picChg chg="add del mod">
+          <ac:chgData name="Minh Khoa Nguyễn Lê" userId="3a0548e66c449e7b" providerId="LiveId" clId="{0D45FF41-1EDF-4AE8-92E8-D83EE474E208}" dt="2023-11-09T14:38:56.533" v="304" actId="478"/>
           <ac:picMkLst>
             <pc:docMk/>
             <pc:sldMk cId="4247378289" sldId="278"/>
             <ac:picMk id="7" creationId="{5B3FC9A5-2F74-80E2-50D0-A0945D079EED}"/>
+          </ac:picMkLst>
+        </pc:picChg>
+        <pc:picChg chg="add del mod">
+          <ac:chgData name="Minh Khoa Nguyễn Lê" userId="3a0548e66c449e7b" providerId="LiveId" clId="{0D45FF41-1EDF-4AE8-92E8-D83EE474E208}" dt="2023-11-09T14:38:53.071" v="303"/>
+          <ac:picMkLst>
+            <pc:docMk/>
+            <pc:sldMk cId="4247378289" sldId="278"/>
+            <ac:picMk id="1026" creationId="{4128E032-9AEC-BD1E-B89B-BF5B06DE6048}"/>
+          </ac:picMkLst>
+        </pc:picChg>
+        <pc:picChg chg="add mod">
+          <ac:chgData name="Minh Khoa Nguyễn Lê" userId="3a0548e66c449e7b" providerId="LiveId" clId="{0D45FF41-1EDF-4AE8-92E8-D83EE474E208}" dt="2023-11-09T14:39:03.711" v="307" actId="1076"/>
+          <ac:picMkLst>
+            <pc:docMk/>
+            <pc:sldMk cId="4247378289" sldId="278"/>
+            <ac:picMk id="1028" creationId="{DE7DFE16-CD3C-FF8F-3A29-43CB1260CDB2}"/>
           </ac:picMkLst>
         </pc:picChg>
       </pc:sldChg>
@@ -221,17 +296,33 @@
         </pc:picChg>
       </pc:sldChg>
       <pc:sldChg chg="addSp delSp modSp add mod">
-        <pc:chgData name="Minh Khoa Nguyễn Lê" userId="3a0548e66c449e7b" providerId="LiveId" clId="{0D45FF41-1EDF-4AE8-92E8-D83EE474E208}" dt="2023-11-07T15:41:42.994" v="132" actId="22"/>
+        <pc:chgData name="Minh Khoa Nguyễn Lê" userId="3a0548e66c449e7b" providerId="LiveId" clId="{0D45FF41-1EDF-4AE8-92E8-D83EE474E208}" dt="2023-11-09T13:51:42.508" v="193" actId="1076"/>
         <pc:sldMkLst>
           <pc:docMk/>
           <pc:sldMk cId="3065351108" sldId="281"/>
         </pc:sldMkLst>
-        <pc:spChg chg="add mod">
-          <ac:chgData name="Minh Khoa Nguyễn Lê" userId="3a0548e66c449e7b" providerId="LiveId" clId="{0D45FF41-1EDF-4AE8-92E8-D83EE474E208}" dt="2023-11-07T15:41:15.205" v="129" actId="14100"/>
+        <pc:spChg chg="add del mod">
+          <ac:chgData name="Minh Khoa Nguyễn Lê" userId="3a0548e66c449e7b" providerId="LiveId" clId="{0D45FF41-1EDF-4AE8-92E8-D83EE474E208}" dt="2023-11-09T13:45:10.410" v="177" actId="478"/>
           <ac:spMkLst>
             <pc:docMk/>
             <pc:sldMk cId="3065351108" sldId="281"/>
             <ac:spMk id="4" creationId="{43A68328-D9D4-56D6-7D98-62C163D4686F}"/>
+          </ac:spMkLst>
+        </pc:spChg>
+        <pc:spChg chg="add mod">
+          <ac:chgData name="Minh Khoa Nguyễn Lê" userId="3a0548e66c449e7b" providerId="LiveId" clId="{0D45FF41-1EDF-4AE8-92E8-D83EE474E208}" dt="2023-11-09T13:51:42.508" v="193" actId="1076"/>
+          <ac:spMkLst>
+            <pc:docMk/>
+            <pc:sldMk cId="3065351108" sldId="281"/>
+            <ac:spMk id="4" creationId="{678E411F-E3B3-EF0E-B04C-F2CE8C1113FC}"/>
+          </ac:spMkLst>
+        </pc:spChg>
+        <pc:spChg chg="add del mod">
+          <ac:chgData name="Minh Khoa Nguyễn Lê" userId="3a0548e66c449e7b" providerId="LiveId" clId="{0D45FF41-1EDF-4AE8-92E8-D83EE474E208}" dt="2023-11-09T13:45:07.687" v="176" actId="478"/>
+          <ac:spMkLst>
+            <pc:docMk/>
+            <pc:sldMk cId="3065351108" sldId="281"/>
+            <ac:spMk id="5" creationId="{32308837-1B48-ACF4-63C8-0155489C0141}"/>
           </ac:spMkLst>
         </pc:spChg>
         <pc:spChg chg="add del">
@@ -242,14 +333,22 @@
             <ac:spMk id="6" creationId="{CD08E260-9E14-D703-CB7E-726C970131D8}"/>
           </ac:spMkLst>
         </pc:spChg>
-        <pc:spChg chg="mod">
-          <ac:chgData name="Minh Khoa Nguyễn Lê" userId="3a0548e66c449e7b" providerId="LiveId" clId="{0D45FF41-1EDF-4AE8-92E8-D83EE474E208}" dt="2023-11-07T15:29:59.634" v="120" actId="255"/>
+        <pc:spChg chg="add del mod">
+          <ac:chgData name="Minh Khoa Nguyễn Lê" userId="3a0548e66c449e7b" providerId="LiveId" clId="{0D45FF41-1EDF-4AE8-92E8-D83EE474E208}" dt="2023-11-09T13:45:07.687" v="176" actId="478"/>
           <ac:spMkLst>
             <pc:docMk/>
             <pc:sldMk cId="3065351108" sldId="281"/>
             <ac:spMk id="469" creationId="{00000000-0000-0000-0000-000000000000}"/>
           </ac:spMkLst>
         </pc:spChg>
+        <pc:picChg chg="add mod">
+          <ac:chgData name="Minh Khoa Nguyễn Lê" userId="3a0548e66c449e7b" providerId="LiveId" clId="{0D45FF41-1EDF-4AE8-92E8-D83EE474E208}" dt="2023-11-09T13:50:21.997" v="185" actId="1076"/>
+          <ac:picMkLst>
+            <pc:docMk/>
+            <pc:sldMk cId="3065351108" sldId="281"/>
+            <ac:picMk id="1026" creationId="{27EF33C0-B0BB-09BF-51D2-6B6C09B6BC65}"/>
+          </ac:picMkLst>
+        </pc:picChg>
         <pc:picChg chg="del">
           <ac:chgData name="Minh Khoa Nguyễn Lê" userId="3a0548e66c449e7b" providerId="LiveId" clId="{0D45FF41-1EDF-4AE8-92E8-D83EE474E208}" dt="2023-11-07T15:27:00.160" v="61" actId="478"/>
           <ac:picMkLst>
@@ -266,8 +365,8 @@
             <ac:picMk id="2052" creationId="{FEA81060-6886-6157-F259-BCF2CF93738A}"/>
           </ac:picMkLst>
         </pc:picChg>
-        <pc:picChg chg="add mod">
-          <ac:chgData name="Minh Khoa Nguyễn Lê" userId="3a0548e66c449e7b" providerId="LiveId" clId="{0D45FF41-1EDF-4AE8-92E8-D83EE474E208}" dt="2023-11-07T15:41:18.536" v="130" actId="14100"/>
+        <pc:picChg chg="add del mod">
+          <ac:chgData name="Minh Khoa Nguyễn Lê" userId="3a0548e66c449e7b" providerId="LiveId" clId="{0D45FF41-1EDF-4AE8-92E8-D83EE474E208}" dt="2023-11-09T13:44:42.631" v="166" actId="478"/>
           <ac:picMkLst>
             <pc:docMk/>
             <pc:sldMk cId="3065351108" sldId="281"/>
@@ -276,7 +375,7 @@
         </pc:picChg>
       </pc:sldChg>
       <pc:sldChg chg="addSp delSp modSp add mod">
-        <pc:chgData name="Minh Khoa Nguyễn Lê" userId="3a0548e66c449e7b" providerId="LiveId" clId="{0D45FF41-1EDF-4AE8-92E8-D83EE474E208}" dt="2023-11-07T15:42:39.695" v="149"/>
+        <pc:chgData name="Minh Khoa Nguyễn Lê" userId="3a0548e66c449e7b" providerId="LiveId" clId="{0D45FF41-1EDF-4AE8-92E8-D83EE474E208}" dt="2023-11-09T13:58:40.247" v="217" actId="1076"/>
         <pc:sldMkLst>
           <pc:docMk/>
           <pc:sldMk cId="640002243" sldId="282"/>
@@ -289,6 +388,54 @@
             <ac:spMk id="4" creationId="{43A68328-D9D4-56D6-7D98-62C163D4686F}"/>
           </ac:spMkLst>
         </pc:spChg>
+        <pc:spChg chg="add del mod">
+          <ac:chgData name="Minh Khoa Nguyễn Lê" userId="3a0548e66c449e7b" providerId="LiveId" clId="{0D45FF41-1EDF-4AE8-92E8-D83EE474E208}" dt="2023-11-09T13:45:05.088" v="173" actId="478"/>
+          <ac:spMkLst>
+            <pc:docMk/>
+            <pc:sldMk cId="640002243" sldId="282"/>
+            <ac:spMk id="5" creationId="{D180D4DF-AAE5-1E75-748F-9E3109034ADA}"/>
+          </ac:spMkLst>
+        </pc:spChg>
+        <pc:spChg chg="add mod">
+          <ac:chgData name="Minh Khoa Nguyễn Lê" userId="3a0548e66c449e7b" providerId="LiveId" clId="{0D45FF41-1EDF-4AE8-92E8-D83EE474E208}" dt="2023-11-09T13:58:40.247" v="217" actId="1076"/>
+          <ac:spMkLst>
+            <pc:docMk/>
+            <pc:sldMk cId="640002243" sldId="282"/>
+            <ac:spMk id="7" creationId="{5D300BA8-ADAF-86CD-6863-3DA7C0E6402D}"/>
+          </ac:spMkLst>
+        </pc:spChg>
+        <pc:spChg chg="add del">
+          <ac:chgData name="Minh Khoa Nguyễn Lê" userId="3a0548e66c449e7b" providerId="LiveId" clId="{0D45FF41-1EDF-4AE8-92E8-D83EE474E208}" dt="2023-11-09T13:45:05.088" v="173" actId="478"/>
+          <ac:spMkLst>
+            <pc:docMk/>
+            <pc:sldMk cId="640002243" sldId="282"/>
+            <ac:spMk id="469" creationId="{00000000-0000-0000-0000-000000000000}"/>
+          </ac:spMkLst>
+        </pc:spChg>
+        <pc:picChg chg="add del mod">
+          <ac:chgData name="Minh Khoa Nguyễn Lê" userId="3a0548e66c449e7b" providerId="LiveId" clId="{0D45FF41-1EDF-4AE8-92E8-D83EE474E208}" dt="2023-11-09T13:52:33.372" v="194" actId="478"/>
+          <ac:picMkLst>
+            <pc:docMk/>
+            <pc:sldMk cId="640002243" sldId="282"/>
+            <ac:picMk id="3" creationId="{8221DB6D-544C-BC93-ED51-4D9AC5668CCC}"/>
+          </ac:picMkLst>
+        </pc:picChg>
+        <pc:picChg chg="add del mod">
+          <ac:chgData name="Minh Khoa Nguyễn Lê" userId="3a0548e66c449e7b" providerId="LiveId" clId="{0D45FF41-1EDF-4AE8-92E8-D83EE474E208}" dt="2023-11-09T13:58:20.070" v="213" actId="478"/>
+          <ac:picMkLst>
+            <pc:docMk/>
+            <pc:sldMk cId="640002243" sldId="282"/>
+            <ac:picMk id="5" creationId="{6104121B-C2D3-DD07-8A86-A2B9851C1592}"/>
+          </ac:picMkLst>
+        </pc:picChg>
+        <pc:picChg chg="add mod">
+          <ac:chgData name="Minh Khoa Nguyễn Lê" userId="3a0548e66c449e7b" providerId="LiveId" clId="{0D45FF41-1EDF-4AE8-92E8-D83EE474E208}" dt="2023-11-09T13:58:37.598" v="216" actId="1076"/>
+          <ac:picMkLst>
+            <pc:docMk/>
+            <pc:sldMk cId="640002243" sldId="282"/>
+            <ac:picMk id="9" creationId="{ACE05B6A-3BE5-6617-1410-16E445ACBC78}"/>
+          </ac:picMkLst>
+        </pc:picChg>
         <pc:picChg chg="del">
           <ac:chgData name="Minh Khoa Nguyễn Lê" userId="3a0548e66c449e7b" providerId="LiveId" clId="{0D45FF41-1EDF-4AE8-92E8-D83EE474E208}" dt="2023-11-07T15:41:54.048" v="136" actId="478"/>
           <ac:picMkLst>
@@ -297,8 +444,8 @@
             <ac:picMk id="4098" creationId="{DB925C8E-1D50-10BF-24A7-C3F51B73F8F2}"/>
           </ac:picMkLst>
         </pc:picChg>
-        <pc:picChg chg="add mod">
-          <ac:chgData name="Minh Khoa Nguyễn Lê" userId="3a0548e66c449e7b" providerId="LiveId" clId="{0D45FF41-1EDF-4AE8-92E8-D83EE474E208}" dt="2023-11-07T15:42:39.056" v="147" actId="14100"/>
+        <pc:picChg chg="add del mod">
+          <ac:chgData name="Minh Khoa Nguyễn Lê" userId="3a0548e66c449e7b" providerId="LiveId" clId="{0D45FF41-1EDF-4AE8-92E8-D83EE474E208}" dt="2023-11-09T13:42:07.771" v="163" actId="478"/>
           <ac:picMkLst>
             <pc:docMk/>
             <pc:sldMk cId="640002243" sldId="282"/>
@@ -432,6 +579,45 @@
           </ac:grpSpMkLst>
         </pc:grpChg>
       </pc:sldChg>
+      <pc:sldChg chg="addSp delSp modSp add mod">
+        <pc:chgData name="Minh Khoa Nguyễn Lê" userId="3a0548e66c449e7b" providerId="LiveId" clId="{0D45FF41-1EDF-4AE8-92E8-D83EE474E208}" dt="2023-11-09T14:09:03.385" v="275" actId="1076"/>
+        <pc:sldMkLst>
+          <pc:docMk/>
+          <pc:sldMk cId="2777427721" sldId="284"/>
+        </pc:sldMkLst>
+        <pc:spChg chg="del mod">
+          <ac:chgData name="Minh Khoa Nguyễn Lê" userId="3a0548e66c449e7b" providerId="LiveId" clId="{0D45FF41-1EDF-4AE8-92E8-D83EE474E208}" dt="2023-11-09T14:08:51.517" v="274"/>
+          <ac:spMkLst>
+            <pc:docMk/>
+            <pc:sldMk cId="2777427721" sldId="284"/>
+            <ac:spMk id="7" creationId="{5D300BA8-ADAF-86CD-6863-3DA7C0E6402D}"/>
+          </ac:spMkLst>
+        </pc:spChg>
+        <pc:spChg chg="mod">
+          <ac:chgData name="Minh Khoa Nguyễn Lê" userId="3a0548e66c449e7b" providerId="LiveId" clId="{0D45FF41-1EDF-4AE8-92E8-D83EE474E208}" dt="2023-11-09T13:58:52.654" v="258" actId="20577"/>
+          <ac:spMkLst>
+            <pc:docMk/>
+            <pc:sldMk cId="2777427721" sldId="284"/>
+            <ac:spMk id="469" creationId="{00000000-0000-0000-0000-000000000000}"/>
+          </ac:spMkLst>
+        </pc:spChg>
+        <pc:picChg chg="add mod">
+          <ac:chgData name="Minh Khoa Nguyễn Lê" userId="3a0548e66c449e7b" providerId="LiveId" clId="{0D45FF41-1EDF-4AE8-92E8-D83EE474E208}" dt="2023-11-09T14:09:03.385" v="275" actId="1076"/>
+          <ac:picMkLst>
+            <pc:docMk/>
+            <pc:sldMk cId="2777427721" sldId="284"/>
+            <ac:picMk id="4" creationId="{916C1464-421A-0A7B-1672-6935897E7A3F}"/>
+          </ac:picMkLst>
+        </pc:picChg>
+        <pc:picChg chg="del">
+          <ac:chgData name="Minh Khoa Nguyễn Lê" userId="3a0548e66c449e7b" providerId="LiveId" clId="{0D45FF41-1EDF-4AE8-92E8-D83EE474E208}" dt="2023-11-09T14:07:23.646" v="260" actId="478"/>
+          <ac:picMkLst>
+            <pc:docMk/>
+            <pc:sldMk cId="2777427721" sldId="284"/>
+            <ac:picMk id="9" creationId="{ACE05B6A-3BE5-6617-1410-16E445ACBC78}"/>
+          </ac:picMkLst>
+        </pc:picChg>
+      </pc:sldChg>
     </pc:docChg>
   </pc:docChgLst>
 </pc:chgInfo>
@@ -519,7 +705,7 @@
           <a:p>
             <a:fld id="{4A6BC961-0577-4EBF-ADCA-1A5C63C38825}" type="datetimeFigureOut">
               <a:rPr lang="en-US" smtClean="0"/>
-              <a:t>11/7/2023</a:t>
+              <a:t>11/9/2023</a:t>
             </a:fld>
             <a:endParaRPr lang="en-US"/>
           </a:p>
@@ -1440,6 +1626,115 @@
   <p:cSld>
     <p:spTree>
       <p:nvGrpSpPr>
+        <p:cNvPr id="1" name="Shape 464"/>
+        <p:cNvGrpSpPr/>
+        <p:nvPr/>
+      </p:nvGrpSpPr>
+      <p:grpSpPr>
+        <a:xfrm>
+          <a:off x="0" y="0"/>
+          <a:ext cx="0" cy="0"/>
+          <a:chOff x="0" y="0"/>
+          <a:chExt cx="0" cy="0"/>
+        </a:xfrm>
+      </p:grpSpPr>
+      <p:sp>
+        <p:nvSpPr>
+          <p:cNvPr id="465" name="Google Shape;465;gdb0f9523dd_0_68:notes"/>
+          <p:cNvSpPr>
+            <a:spLocks noGrp="1" noRot="1" noChangeAspect="1"/>
+          </p:cNvSpPr>
+          <p:nvPr>
+            <p:ph type="sldImg" idx="2"/>
+          </p:nvPr>
+        </p:nvSpPr>
+        <p:spPr>
+          <a:xfrm>
+            <a:off x="381000" y="685800"/>
+            <a:ext cx="6096000" cy="3429000"/>
+          </a:xfrm>
+          <a:custGeom>
+            <a:avLst/>
+            <a:gdLst/>
+            <a:ahLst/>
+            <a:cxnLst/>
+            <a:rect l="l" t="t" r="r" b="b"/>
+            <a:pathLst>
+              <a:path w="120000" h="120000" extrusionOk="0">
+                <a:moveTo>
+                  <a:pt x="0" y="0"/>
+                </a:moveTo>
+                <a:lnTo>
+                  <a:pt x="120000" y="0"/>
+                </a:lnTo>
+                <a:lnTo>
+                  <a:pt x="120000" y="120000"/>
+                </a:lnTo>
+                <a:lnTo>
+                  <a:pt x="0" y="120000"/>
+                </a:lnTo>
+                <a:close/>
+              </a:path>
+            </a:pathLst>
+          </a:custGeom>
+        </p:spPr>
+      </p:sp>
+      <p:sp>
+        <p:nvSpPr>
+          <p:cNvPr id="466" name="Google Shape;466;gdb0f9523dd_0_68:notes"/>
+          <p:cNvSpPr txBox="1">
+            <a:spLocks noGrp="1"/>
+          </p:cNvSpPr>
+          <p:nvPr>
+            <p:ph type="body" idx="1"/>
+          </p:nvPr>
+        </p:nvSpPr>
+        <p:spPr>
+          <a:xfrm>
+            <a:off x="685800" y="4343400"/>
+            <a:ext cx="5486400" cy="4114800"/>
+          </a:xfrm>
+          <a:prstGeom prst="rect">
+            <a:avLst/>
+          </a:prstGeom>
+        </p:spPr>
+        <p:txBody>
+          <a:bodyPr spcFirstLastPara="1" wrap="square" lIns="91425" tIns="91425" rIns="91425" bIns="91425" anchor="t" anchorCtr="0">
+            <a:noAutofit/>
+          </a:bodyPr>
+          <a:lstStyle/>
+          <a:p>
+            <a:pPr marL="0" lvl="0" indent="0" algn="l" rtl="0">
+              <a:spcBef>
+                <a:spcPts val="0"/>
+              </a:spcBef>
+              <a:spcAft>
+                <a:spcPts val="0"/>
+              </a:spcAft>
+              <a:buNone/>
+            </a:pPr>
+            <a:endParaRPr/>
+          </a:p>
+        </p:txBody>
+      </p:sp>
+    </p:spTree>
+    <p:extLst>
+      <p:ext uri="{BB962C8B-B14F-4D97-AF65-F5344CB8AC3E}">
+        <p14:creationId xmlns:p14="http://schemas.microsoft.com/office/powerpoint/2010/main" val="1732819341"/>
+      </p:ext>
+    </p:extLst>
+  </p:cSld>
+  <p:clrMapOvr>
+    <a:masterClrMapping/>
+  </p:clrMapOvr>
+</p:notes>
+</file>
+
+<file path=ppt/notesSlides/notesSlide16.xml><?xml version="1.0" encoding="utf-8"?>
+<p:notes xmlns:a="http://schemas.openxmlformats.org/drawingml/2006/main" xmlns:r="http://schemas.openxmlformats.org/officeDocument/2006/relationships" xmlns:p="http://schemas.openxmlformats.org/presentationml/2006/main" showMasterSp="0" showMasterPhAnim="0">
+  <p:cSld>
+    <p:spTree>
+      <p:nvGrpSpPr>
         <p:cNvPr id="1" name="Shape 445"/>
         <p:cNvGrpSpPr/>
         <p:nvPr/>
@@ -1544,7 +1839,7 @@
 </p:notes>
 </file>
 
-<file path=ppt/notesSlides/notesSlide16.xml><?xml version="1.0" encoding="utf-8"?>
+<file path=ppt/notesSlides/notesSlide17.xml><?xml version="1.0" encoding="utf-8"?>
 <p:notes xmlns:a="http://schemas.openxmlformats.org/drawingml/2006/main" xmlns:r="http://schemas.openxmlformats.org/officeDocument/2006/relationships" xmlns:p="http://schemas.openxmlformats.org/presentationml/2006/main" showMasterSp="0" showMasterPhAnim="0">
   <p:cSld>
     <p:spTree>
@@ -1653,7 +1948,7 @@
 </p:notes>
 </file>
 
-<file path=ppt/notesSlides/notesSlide17.xml><?xml version="1.0" encoding="utf-8"?>
+<file path=ppt/notesSlides/notesSlide18.xml><?xml version="1.0" encoding="utf-8"?>
 <p:notes xmlns:a="http://schemas.openxmlformats.org/drawingml/2006/main" xmlns:r="http://schemas.openxmlformats.org/officeDocument/2006/relationships" xmlns:p="http://schemas.openxmlformats.org/presentationml/2006/main" showMasterSp="0" showMasterPhAnim="0">
   <p:cSld>
     <p:spTree>
@@ -25371,7 +25666,7 @@
 <file path=ppt/slideMasters/slideMaster1.xml><?xml version="1.0" encoding="utf-8"?>
 <p:sldMaster xmlns:a="http://schemas.openxmlformats.org/drawingml/2006/main" xmlns:r="http://schemas.openxmlformats.org/officeDocument/2006/relationships" xmlns:p="http://schemas.openxmlformats.org/presentationml/2006/main">
   <p:cSld>
-    <p:bg>
+    <p:bg bwMode="auto">
       <p:bgPr>
         <a:solidFill>
           <a:schemeClr val="lt2"/>
@@ -27218,6 +27513,53 @@
           <a:noFill/>
         </p:spPr>
       </p:pic>
+      <p:pic>
+        <p:nvPicPr>
+          <p:cNvPr id="3" name="Picture 2">
+            <a:extLst>
+              <a:ext uri="{FF2B5EF4-FFF2-40B4-BE49-F238E27FC236}">
+                <a16:creationId xmlns:a16="http://schemas.microsoft.com/office/drawing/2014/main" id="{E1660838-60FD-B43C-80DD-4110BD4F2EC6}"/>
+              </a:ext>
+            </a:extLst>
+          </p:cNvPr>
+          <p:cNvPicPr>
+            <a:picLocks noChangeAspect="1" noChangeArrowheads="1"/>
+          </p:cNvPicPr>
+          <p:nvPr/>
+        </p:nvPicPr>
+        <p:blipFill>
+          <a:blip r:embed="rId4">
+            <a:extLst>
+              <a:ext uri="{28A0092B-C50C-407E-A947-70E740481C1C}">
+                <a14:useLocalDpi xmlns:a14="http://schemas.microsoft.com/office/drawing/2010/main" val="0"/>
+              </a:ext>
+            </a:extLst>
+          </a:blip>
+          <a:srcRect/>
+          <a:stretch>
+            <a:fillRect/>
+          </a:stretch>
+        </p:blipFill>
+        <p:spPr bwMode="auto">
+          <a:xfrm>
+            <a:off x="5145348" y="2628644"/>
+            <a:ext cx="2795003" cy="1330326"/>
+          </a:xfrm>
+          <a:prstGeom prst="rect">
+            <a:avLst/>
+          </a:prstGeom>
+          <a:noFill/>
+          <a:extLst>
+            <a:ext uri="{909E8E84-426E-40DD-AFC4-6F175D3DCCD1}">
+              <a14:hiddenFill xmlns:a14="http://schemas.microsoft.com/office/drawing/2010/main">
+                <a:solidFill>
+                  <a:srgbClr val="FFFFFF"/>
+                </a:solidFill>
+              </a14:hiddenFill>
+            </a:ext>
+          </a:extLst>
+        </p:spPr>
+      </p:pic>
     </p:spTree>
     <p:extLst>
       <p:ext uri="{BB962C8B-B14F-4D97-AF65-F5344CB8AC3E}">
@@ -28038,10 +28380,10 @@
       </p:sp>
       <p:pic>
         <p:nvPicPr>
-          <p:cNvPr id="4098" name="Picture 2">
+          <p:cNvPr id="1026" name="Picture 2">
             <a:extLst>
               <a:ext uri="{FF2B5EF4-FFF2-40B4-BE49-F238E27FC236}">
-                <a16:creationId xmlns:a16="http://schemas.microsoft.com/office/drawing/2014/main" id="{DB925C8E-1D50-10BF-24A7-C3F51B73F8F2}"/>
+                <a16:creationId xmlns:a16="http://schemas.microsoft.com/office/drawing/2014/main" id="{27EF33C0-B0BB-09BF-51D2-6B6C09B6BC65}"/>
               </a:ext>
             </a:extLst>
           </p:cNvPr>
@@ -28065,8 +28407,8 @@
         </p:blipFill>
         <p:spPr bwMode="auto">
           <a:xfrm>
-            <a:off x="42329" y="2631233"/>
-            <a:ext cx="4948956" cy="1586204"/>
+            <a:off x="0" y="1986454"/>
+            <a:ext cx="4908132" cy="2885092"/>
           </a:xfrm>
           <a:prstGeom prst="rect">
             <a:avLst/>
@@ -28088,7 +28430,7 @@
           <p:cNvPr id="4" name="TextBox 3">
             <a:extLst>
               <a:ext uri="{FF2B5EF4-FFF2-40B4-BE49-F238E27FC236}">
-                <a16:creationId xmlns:a16="http://schemas.microsoft.com/office/drawing/2014/main" id="{43A68328-D9D4-56D6-7D98-62C163D4686F}"/>
+                <a16:creationId xmlns:a16="http://schemas.microsoft.com/office/drawing/2014/main" id="{678E411F-E3B3-EF0E-B04C-F2CE8C1113FC}"/>
               </a:ext>
             </a:extLst>
           </p:cNvPr>
@@ -28097,8 +28439,8 @@
         </p:nvSpPr>
         <p:spPr>
           <a:xfrm>
-            <a:off x="5057192" y="2237414"/>
-            <a:ext cx="6732814" cy="2785378"/>
+            <a:off x="5080518" y="2367286"/>
+            <a:ext cx="7008845" cy="2400657"/>
           </a:xfrm>
           <a:prstGeom prst="rect">
             <a:avLst/>
@@ -28118,15 +28460,19 @@
                 </a:solidFill>
                 <a:effectLst/>
                 <a:latin typeface="Archivo ExtraBold"/>
-                <a:ea typeface="Calibri" panose="020F0502020204030204" pitchFamily="34" charset="0"/>
+                <a:ea typeface="Cambria" panose="02040503050406030204" pitchFamily="18" charset="0"/>
+                <a:cs typeface="Cambria" panose="02040503050406030204" pitchFamily="18" charset="0"/>
               </a:rPr>
-              <a:t>Machine Learning Spark NLP (Natural Language Processing) là một thư viện cho Spark, được phát triển để hỗ trợ các tác vụ xử lý và phân tích ngôn ngữ tự nhiên (NLP) trong môi trường Apache Spark. NLP là một lĩnh vực trong khoa học máy tính tập trung vào việc hiểu và tương tác với ngôn ngữ tự nhiên của con người bằng máy tính.</a:t>
+              <a:t>Mô hình Logistic Regression (Hồi quy Logistic) là một phương pháp thuộc lĩnh vực Machine Learning, thường được sử dụng cho các bài toán phân loại. Điều đặc biệt của Logistic Regression là nó được sử dụng để dự đoán xác suất xảy ra của một sự kiện dựa trên các biến đầu vào.</a:t>
             </a:r>
             <a:endParaRPr lang="en-US" sz="2500">
               <a:solidFill>
                 <a:schemeClr val="accent1"/>
               </a:solidFill>
+              <a:effectLst/>
               <a:latin typeface="Archivo ExtraBold"/>
+              <a:ea typeface="Cambria" panose="02040503050406030204" pitchFamily="18" charset="0"/>
+              <a:cs typeface="Cambria" panose="02040503050406030204" pitchFamily="18" charset="0"/>
             </a:endParaRPr>
           </a:p>
         </p:txBody>
@@ -28493,17 +28839,94 @@
           </a:p>
         </p:txBody>
       </p:sp>
+      <p:sp>
+        <p:nvSpPr>
+          <p:cNvPr id="7" name="TextBox 6">
+            <a:extLst>
+              <a:ext uri="{FF2B5EF4-FFF2-40B4-BE49-F238E27FC236}">
+                <a16:creationId xmlns:a16="http://schemas.microsoft.com/office/drawing/2014/main" id="{5D300BA8-ADAF-86CD-6863-3DA7C0E6402D}"/>
+              </a:ext>
+            </a:extLst>
+          </p:cNvPr>
+          <p:cNvSpPr txBox="1"/>
+          <p:nvPr/>
+        </p:nvSpPr>
+        <p:spPr>
+          <a:xfrm>
+            <a:off x="2667237" y="3636158"/>
+            <a:ext cx="8434217" cy="1384995"/>
+          </a:xfrm>
+          <a:prstGeom prst="rect">
+            <a:avLst/>
+          </a:prstGeom>
+          <a:noFill/>
+        </p:spPr>
+        <p:txBody>
+          <a:bodyPr wrap="square">
+            <a:spAutoFit/>
+          </a:bodyPr>
+          <a:lstStyle/>
+          <a:p>
+            <a:pPr algn="l">
+              <a:buFont typeface="Arial" panose="020B0604020202020204" pitchFamily="34" charset="0"/>
+              <a:buChar char="•"/>
+            </a:pPr>
+            <a:r>
+              <a:rPr lang="en-US" sz="2800" b="0" i="0">
+                <a:solidFill>
+                  <a:srgbClr val="E3E3E3"/>
+                </a:solidFill>
+                <a:effectLst/>
+                <a:latin typeface="Google Sans"/>
+              </a:rPr>
+              <a:t>f(x) là ký hiệu của hàm sigmoid.</a:t>
+            </a:r>
+          </a:p>
+          <a:p>
+            <a:pPr algn="l">
+              <a:buFont typeface="Arial" panose="020B0604020202020204" pitchFamily="34" charset="0"/>
+              <a:buChar char="•"/>
+            </a:pPr>
+            <a:r>
+              <a:rPr lang="en-US" sz="2800" b="0" i="0">
+                <a:solidFill>
+                  <a:srgbClr val="E3E3E3"/>
+                </a:solidFill>
+                <a:effectLst/>
+                <a:latin typeface="Google Sans"/>
+              </a:rPr>
+              <a:t>x là biến đầu vào của hàm sigmoid.</a:t>
+            </a:r>
+          </a:p>
+          <a:p>
+            <a:pPr algn="l">
+              <a:buFont typeface="Arial" panose="020B0604020202020204" pitchFamily="34" charset="0"/>
+              <a:buChar char="•"/>
+            </a:pPr>
+            <a:r>
+              <a:rPr lang="en-US" sz="2800" b="0" i="0">
+                <a:solidFill>
+                  <a:srgbClr val="E3E3E3"/>
+                </a:solidFill>
+                <a:effectLst/>
+                <a:latin typeface="Google Sans"/>
+              </a:rPr>
+              <a:t>e là hằng số số học Euler, có giá trị xấp xỉ bằng 2,71828.</a:t>
+            </a:r>
+          </a:p>
+        </p:txBody>
+      </p:sp>
       <p:pic>
         <p:nvPicPr>
-          <p:cNvPr id="5122" name="Picture 2">
+          <p:cNvPr id="9" name="Picture 8">
             <a:extLst>
               <a:ext uri="{FF2B5EF4-FFF2-40B4-BE49-F238E27FC236}">
-                <a16:creationId xmlns:a16="http://schemas.microsoft.com/office/drawing/2014/main" id="{13559D6E-B89A-C354-44A6-48869ACE0922}"/>
+                <a16:creationId xmlns:a16="http://schemas.microsoft.com/office/drawing/2014/main" id="{ACE05B6A-3BE5-6617-1410-16E445ACBC78}"/>
               </a:ext>
             </a:extLst>
           </p:cNvPr>
           <p:cNvPicPr>
-            <a:picLocks noChangeAspect="1" noChangeArrowheads="1"/>
+            <a:picLocks noChangeAspect="1"/>
           </p:cNvPicPr>
           <p:nvPr/>
         </p:nvPicPr>
@@ -28515,29 +28938,18 @@
               </a:ext>
             </a:extLst>
           </a:blip>
-          <a:srcRect/>
           <a:stretch>
             <a:fillRect/>
           </a:stretch>
         </p:blipFill>
-        <p:spPr bwMode="auto">
-          <a:xfrm>
-            <a:off x="401994" y="2300967"/>
-            <a:ext cx="11388011" cy="3166771"/>
-          </a:xfrm>
-          <a:prstGeom prst="rect">
-            <a:avLst/>
-          </a:prstGeom>
-          <a:noFill/>
-          <a:extLst>
-            <a:ext uri="{909E8E84-426E-40DD-AFC4-6F175D3DCCD1}">
-              <a14:hiddenFill xmlns:a14="http://schemas.microsoft.com/office/drawing/2010/main">
-                <a:solidFill>
-                  <a:srgbClr val="FFFFFF"/>
-                </a:solidFill>
-              </a14:hiddenFill>
-            </a:ext>
-          </a:extLst>
+        <p:spPr>
+          <a:xfrm>
+            <a:off x="2846444" y="2298111"/>
+            <a:ext cx="6499112" cy="1058567"/>
+          </a:xfrm>
+          <a:prstGeom prst="rect">
+            <a:avLst/>
+          </a:prstGeom>
         </p:spPr>
       </p:pic>
     </p:spTree>
@@ -28554,6 +28966,404 @@
 </file>
 
 <file path=ppt/slides/slide15.xml><?xml version="1.0" encoding="utf-8"?>
+<p:sld xmlns:a="http://schemas.openxmlformats.org/drawingml/2006/main" xmlns:r="http://schemas.openxmlformats.org/officeDocument/2006/relationships" xmlns:p="http://schemas.openxmlformats.org/presentationml/2006/main">
+  <p:cSld>
+    <p:spTree>
+      <p:nvGrpSpPr>
+        <p:cNvPr id="1" name="Shape 467"/>
+        <p:cNvGrpSpPr/>
+        <p:nvPr/>
+      </p:nvGrpSpPr>
+      <p:grpSpPr>
+        <a:xfrm>
+          <a:off x="0" y="0"/>
+          <a:ext cx="0" cy="0"/>
+          <a:chOff x="0" y="0"/>
+          <a:chExt cx="0" cy="0"/>
+        </a:xfrm>
+      </p:grpSpPr>
+      <p:sp>
+        <p:nvSpPr>
+          <p:cNvPr id="469" name="Google Shape;469;p40"/>
+          <p:cNvSpPr txBox="1">
+            <a:spLocks noGrp="1"/>
+          </p:cNvSpPr>
+          <p:nvPr>
+            <p:ph type="subTitle" idx="1"/>
+          </p:nvPr>
+        </p:nvSpPr>
+        <p:spPr>
+          <a:xfrm>
+            <a:off x="2315397" y="1201716"/>
+            <a:ext cx="7552400" cy="888342"/>
+          </a:xfrm>
+          <a:prstGeom prst="rect">
+            <a:avLst/>
+          </a:prstGeom>
+        </p:spPr>
+        <p:txBody>
+          <a:bodyPr spcFirstLastPara="1" wrap="square" lIns="121900" tIns="121900" rIns="121900" bIns="121900" anchor="t" anchorCtr="0">
+            <a:noAutofit/>
+          </a:bodyPr>
+          <a:lstStyle/>
+          <a:p>
+            <a:pPr marL="0" indent="0">
+              <a:buClr>
+                <a:schemeClr val="dk1"/>
+              </a:buClr>
+              <a:buSzPts val="1100"/>
+            </a:pPr>
+            <a:r>
+              <a:rPr lang="en-US" sz="4000">
+                <a:latin typeface="Archivo ExtraBold"/>
+              </a:rPr>
+              <a:t>Đánh Giá Mô Hình</a:t>
+            </a:r>
+          </a:p>
+        </p:txBody>
+      </p:sp>
+      <p:sp>
+        <p:nvSpPr>
+          <p:cNvPr id="2" name="Google Shape;450;p38">
+            <a:extLst>
+              <a:ext uri="{FF2B5EF4-FFF2-40B4-BE49-F238E27FC236}">
+                <a16:creationId xmlns:a16="http://schemas.microsoft.com/office/drawing/2014/main" id="{8E2A0773-023C-B462-D838-B4A186638CA2}"/>
+              </a:ext>
+            </a:extLst>
+          </p:cNvPr>
+          <p:cNvSpPr txBox="1">
+            <a:spLocks/>
+          </p:cNvSpPr>
+          <p:nvPr/>
+        </p:nvSpPr>
+        <p:spPr>
+          <a:xfrm>
+            <a:off x="2392266" y="0"/>
+            <a:ext cx="7398667" cy="1054360"/>
+          </a:xfrm>
+          <a:prstGeom prst="rect">
+            <a:avLst/>
+          </a:prstGeom>
+          <a:noFill/>
+          <a:ln>
+            <a:noFill/>
+          </a:ln>
+        </p:spPr>
+        <p:txBody>
+          <a:bodyPr spcFirstLastPara="1" wrap="square" lIns="121900" tIns="121900" rIns="121900" bIns="121900" anchor="ctr" anchorCtr="0">
+            <a:noAutofit/>
+          </a:bodyPr>
+          <a:lstStyle>
+            <a:defPPr marR="0" lvl="0" algn="l" rtl="0">
+              <a:lnSpc>
+                <a:spcPct val="100000"/>
+              </a:lnSpc>
+              <a:spcBef>
+                <a:spcPts val="0"/>
+              </a:spcBef>
+              <a:spcAft>
+                <a:spcPts val="0"/>
+              </a:spcAft>
+            </a:defPPr>
+            <a:lvl1pPr marR="0" lvl="0" algn="ctr" rtl="0">
+              <a:lnSpc>
+                <a:spcPct val="100000"/>
+              </a:lnSpc>
+              <a:spcBef>
+                <a:spcPts val="0"/>
+              </a:spcBef>
+              <a:spcAft>
+                <a:spcPts val="0"/>
+              </a:spcAft>
+              <a:buClr>
+                <a:schemeClr val="accent1"/>
+              </a:buClr>
+              <a:buSzPts val="4500"/>
+              <a:buFont typeface="Archivo ExtraBold"/>
+              <a:buNone/>
+              <a:defRPr sz="6000" b="0" i="0" u="none" strike="noStrike" cap="none">
+                <a:solidFill>
+                  <a:schemeClr val="accent1"/>
+                </a:solidFill>
+                <a:latin typeface="Archivo ExtraBold"/>
+                <a:ea typeface="Archivo ExtraBold"/>
+                <a:cs typeface="Archivo ExtraBold"/>
+                <a:sym typeface="Archivo ExtraBold"/>
+              </a:defRPr>
+            </a:lvl1pPr>
+            <a:lvl2pPr marR="0" lvl="1" algn="l" rtl="0">
+              <a:lnSpc>
+                <a:spcPct val="100000"/>
+              </a:lnSpc>
+              <a:spcBef>
+                <a:spcPts val="0"/>
+              </a:spcBef>
+              <a:spcAft>
+                <a:spcPts val="0"/>
+              </a:spcAft>
+              <a:buClr>
+                <a:schemeClr val="accent1"/>
+              </a:buClr>
+              <a:buSzPts val="2400"/>
+              <a:buFont typeface="Archivo ExtraBold"/>
+              <a:buNone/>
+              <a:defRPr sz="3200" b="0" i="0" u="none" strike="noStrike" cap="none">
+                <a:solidFill>
+                  <a:schemeClr val="accent1"/>
+                </a:solidFill>
+                <a:latin typeface="Archivo ExtraBold"/>
+                <a:ea typeface="Archivo ExtraBold"/>
+                <a:cs typeface="Archivo ExtraBold"/>
+                <a:sym typeface="Archivo ExtraBold"/>
+              </a:defRPr>
+            </a:lvl2pPr>
+            <a:lvl3pPr marR="0" lvl="2" algn="l" rtl="0">
+              <a:lnSpc>
+                <a:spcPct val="100000"/>
+              </a:lnSpc>
+              <a:spcBef>
+                <a:spcPts val="0"/>
+              </a:spcBef>
+              <a:spcAft>
+                <a:spcPts val="0"/>
+              </a:spcAft>
+              <a:buClr>
+                <a:schemeClr val="accent1"/>
+              </a:buClr>
+              <a:buSzPts val="2400"/>
+              <a:buFont typeface="Archivo ExtraBold"/>
+              <a:buNone/>
+              <a:defRPr sz="3200" b="0" i="0" u="none" strike="noStrike" cap="none">
+                <a:solidFill>
+                  <a:schemeClr val="accent1"/>
+                </a:solidFill>
+                <a:latin typeface="Archivo ExtraBold"/>
+                <a:ea typeface="Archivo ExtraBold"/>
+                <a:cs typeface="Archivo ExtraBold"/>
+                <a:sym typeface="Archivo ExtraBold"/>
+              </a:defRPr>
+            </a:lvl3pPr>
+            <a:lvl4pPr marR="0" lvl="3" algn="l" rtl="0">
+              <a:lnSpc>
+                <a:spcPct val="100000"/>
+              </a:lnSpc>
+              <a:spcBef>
+                <a:spcPts val="0"/>
+              </a:spcBef>
+              <a:spcAft>
+                <a:spcPts val="0"/>
+              </a:spcAft>
+              <a:buClr>
+                <a:schemeClr val="accent1"/>
+              </a:buClr>
+              <a:buSzPts val="2400"/>
+              <a:buFont typeface="Archivo ExtraBold"/>
+              <a:buNone/>
+              <a:defRPr sz="3200" b="0" i="0" u="none" strike="noStrike" cap="none">
+                <a:solidFill>
+                  <a:schemeClr val="accent1"/>
+                </a:solidFill>
+                <a:latin typeface="Archivo ExtraBold"/>
+                <a:ea typeface="Archivo ExtraBold"/>
+                <a:cs typeface="Archivo ExtraBold"/>
+                <a:sym typeface="Archivo ExtraBold"/>
+              </a:defRPr>
+            </a:lvl4pPr>
+            <a:lvl5pPr marR="0" lvl="4" algn="l" rtl="0">
+              <a:lnSpc>
+                <a:spcPct val="100000"/>
+              </a:lnSpc>
+              <a:spcBef>
+                <a:spcPts val="0"/>
+              </a:spcBef>
+              <a:spcAft>
+                <a:spcPts val="0"/>
+              </a:spcAft>
+              <a:buClr>
+                <a:schemeClr val="accent1"/>
+              </a:buClr>
+              <a:buSzPts val="2400"/>
+              <a:buFont typeface="Archivo ExtraBold"/>
+              <a:buNone/>
+              <a:defRPr sz="3200" b="0" i="0" u="none" strike="noStrike" cap="none">
+                <a:solidFill>
+                  <a:schemeClr val="accent1"/>
+                </a:solidFill>
+                <a:latin typeface="Archivo ExtraBold"/>
+                <a:ea typeface="Archivo ExtraBold"/>
+                <a:cs typeface="Archivo ExtraBold"/>
+                <a:sym typeface="Archivo ExtraBold"/>
+              </a:defRPr>
+            </a:lvl5pPr>
+            <a:lvl6pPr marR="0" lvl="5" algn="l" rtl="0">
+              <a:lnSpc>
+                <a:spcPct val="100000"/>
+              </a:lnSpc>
+              <a:spcBef>
+                <a:spcPts val="0"/>
+              </a:spcBef>
+              <a:spcAft>
+                <a:spcPts val="0"/>
+              </a:spcAft>
+              <a:buClr>
+                <a:schemeClr val="accent1"/>
+              </a:buClr>
+              <a:buSzPts val="2400"/>
+              <a:buFont typeface="Archivo ExtraBold"/>
+              <a:buNone/>
+              <a:defRPr sz="3200" b="0" i="0" u="none" strike="noStrike" cap="none">
+                <a:solidFill>
+                  <a:schemeClr val="accent1"/>
+                </a:solidFill>
+                <a:latin typeface="Archivo ExtraBold"/>
+                <a:ea typeface="Archivo ExtraBold"/>
+                <a:cs typeface="Archivo ExtraBold"/>
+                <a:sym typeface="Archivo ExtraBold"/>
+              </a:defRPr>
+            </a:lvl6pPr>
+            <a:lvl7pPr marR="0" lvl="6" algn="l" rtl="0">
+              <a:lnSpc>
+                <a:spcPct val="100000"/>
+              </a:lnSpc>
+              <a:spcBef>
+                <a:spcPts val="0"/>
+              </a:spcBef>
+              <a:spcAft>
+                <a:spcPts val="0"/>
+              </a:spcAft>
+              <a:buClr>
+                <a:schemeClr val="accent1"/>
+              </a:buClr>
+              <a:buSzPts val="2400"/>
+              <a:buFont typeface="Archivo ExtraBold"/>
+              <a:buNone/>
+              <a:defRPr sz="3200" b="0" i="0" u="none" strike="noStrike" cap="none">
+                <a:solidFill>
+                  <a:schemeClr val="accent1"/>
+                </a:solidFill>
+                <a:latin typeface="Archivo ExtraBold"/>
+                <a:ea typeface="Archivo ExtraBold"/>
+                <a:cs typeface="Archivo ExtraBold"/>
+                <a:sym typeface="Archivo ExtraBold"/>
+              </a:defRPr>
+            </a:lvl7pPr>
+            <a:lvl8pPr marR="0" lvl="7" algn="l" rtl="0">
+              <a:lnSpc>
+                <a:spcPct val="100000"/>
+              </a:lnSpc>
+              <a:spcBef>
+                <a:spcPts val="0"/>
+              </a:spcBef>
+              <a:spcAft>
+                <a:spcPts val="0"/>
+              </a:spcAft>
+              <a:buClr>
+                <a:schemeClr val="accent1"/>
+              </a:buClr>
+              <a:buSzPts val="2400"/>
+              <a:buFont typeface="Archivo ExtraBold"/>
+              <a:buNone/>
+              <a:defRPr sz="3200" b="0" i="0" u="none" strike="noStrike" cap="none">
+                <a:solidFill>
+                  <a:schemeClr val="accent1"/>
+                </a:solidFill>
+                <a:latin typeface="Archivo ExtraBold"/>
+                <a:ea typeface="Archivo ExtraBold"/>
+                <a:cs typeface="Archivo ExtraBold"/>
+                <a:sym typeface="Archivo ExtraBold"/>
+              </a:defRPr>
+            </a:lvl8pPr>
+            <a:lvl9pPr marR="0" lvl="8" algn="l" rtl="0">
+              <a:lnSpc>
+                <a:spcPct val="100000"/>
+              </a:lnSpc>
+              <a:spcBef>
+                <a:spcPts val="0"/>
+              </a:spcBef>
+              <a:spcAft>
+                <a:spcPts val="0"/>
+              </a:spcAft>
+              <a:buClr>
+                <a:schemeClr val="accent1"/>
+              </a:buClr>
+              <a:buSzPts val="2400"/>
+              <a:buFont typeface="Archivo ExtraBold"/>
+              <a:buNone/>
+              <a:defRPr sz="3200" b="0" i="0" u="none" strike="noStrike" cap="none">
+                <a:solidFill>
+                  <a:schemeClr val="accent1"/>
+                </a:solidFill>
+                <a:latin typeface="Archivo ExtraBold"/>
+                <a:ea typeface="Archivo ExtraBold"/>
+                <a:cs typeface="Archivo ExtraBold"/>
+                <a:sym typeface="Archivo ExtraBold"/>
+              </a:defRPr>
+            </a:lvl9pPr>
+          </a:lstStyle>
+          <a:p>
+            <a:pPr>
+              <a:buClr>
+                <a:schemeClr val="dk1"/>
+              </a:buClr>
+              <a:buSzPts val="1100"/>
+            </a:pPr>
+            <a:r>
+              <a:rPr lang="en-US" kern="0"/>
+              <a:t>Kiến Trúc Hệ Thống</a:t>
+            </a:r>
+          </a:p>
+        </p:txBody>
+      </p:sp>
+      <p:pic>
+        <p:nvPicPr>
+          <p:cNvPr id="4" name="Picture 3">
+            <a:extLst>
+              <a:ext uri="{FF2B5EF4-FFF2-40B4-BE49-F238E27FC236}">
+                <a16:creationId xmlns:a16="http://schemas.microsoft.com/office/drawing/2014/main" id="{916C1464-421A-0A7B-1672-6935897E7A3F}"/>
+              </a:ext>
+            </a:extLst>
+          </p:cNvPr>
+          <p:cNvPicPr>
+            <a:picLocks noChangeAspect="1"/>
+          </p:cNvPicPr>
+          <p:nvPr/>
+        </p:nvPicPr>
+        <p:blipFill>
+          <a:blip r:embed="rId3">
+            <a:extLst>
+              <a:ext uri="{28A0092B-C50C-407E-A947-70E740481C1C}">
+                <a14:useLocalDpi xmlns:a14="http://schemas.microsoft.com/office/drawing/2010/main" val="0"/>
+              </a:ext>
+            </a:extLst>
+          </a:blip>
+          <a:stretch>
+            <a:fillRect/>
+          </a:stretch>
+        </p:blipFill>
+        <p:spPr>
+          <a:xfrm>
+            <a:off x="1178972" y="2927400"/>
+            <a:ext cx="9825250" cy="1840543"/>
+          </a:xfrm>
+          <a:prstGeom prst="rect">
+            <a:avLst/>
+          </a:prstGeom>
+        </p:spPr>
+      </p:pic>
+    </p:spTree>
+    <p:extLst>
+      <p:ext uri="{BB962C8B-B14F-4D97-AF65-F5344CB8AC3E}">
+        <p14:creationId xmlns:p14="http://schemas.microsoft.com/office/powerpoint/2010/main" val="2777427721"/>
+      </p:ext>
+    </p:extLst>
+  </p:cSld>
+  <p:clrMapOvr>
+    <a:masterClrMapping/>
+  </p:clrMapOvr>
+</p:sld>
+</file>
+
+<file path=ppt/slides/slide16.xml><?xml version="1.0" encoding="utf-8"?>
 <p:sld xmlns:a="http://schemas.openxmlformats.org/drawingml/2006/main" xmlns:r="http://schemas.openxmlformats.org/officeDocument/2006/relationships" xmlns:p="http://schemas.openxmlformats.org/presentationml/2006/main">
   <p:cSld>
     <p:spTree>
@@ -28682,7 +29492,7 @@
 </p:sld>
 </file>
 
-<file path=ppt/slides/slide16.xml><?xml version="1.0" encoding="utf-8"?>
+<file path=ppt/slides/slide17.xml><?xml version="1.0" encoding="utf-8"?>
 <p:sld xmlns:a="http://schemas.openxmlformats.org/drawingml/2006/main" xmlns:r="http://schemas.openxmlformats.org/officeDocument/2006/relationships" xmlns:p="http://schemas.openxmlformats.org/presentationml/2006/main">
   <p:cSld>
     <p:spTree>
@@ -28993,32 +29803,49 @@
       </p:sp>
       <p:pic>
         <p:nvPicPr>
-          <p:cNvPr id="7" name="Picture 6">
+          <p:cNvPr id="1028" name="Picture 4">
             <a:extLst>
               <a:ext uri="{FF2B5EF4-FFF2-40B4-BE49-F238E27FC236}">
-                <a16:creationId xmlns:a16="http://schemas.microsoft.com/office/drawing/2014/main" id="{5B3FC9A5-2F74-80E2-50D0-A0945D079EED}"/>
+                <a16:creationId xmlns:a16="http://schemas.microsoft.com/office/drawing/2014/main" id="{DE7DFE16-CD3C-FF8F-3A29-43CB1260CDB2}"/>
               </a:ext>
             </a:extLst>
           </p:cNvPr>
           <p:cNvPicPr>
-            <a:picLocks noChangeAspect="1"/>
+            <a:picLocks noChangeAspect="1" noChangeArrowheads="1"/>
           </p:cNvPicPr>
           <p:nvPr/>
         </p:nvPicPr>
         <p:blipFill>
-          <a:blip r:embed="rId3"/>
+          <a:blip r:embed="rId3">
+            <a:extLst>
+              <a:ext uri="{28A0092B-C50C-407E-A947-70E740481C1C}">
+                <a14:useLocalDpi xmlns:a14="http://schemas.microsoft.com/office/drawing/2010/main" val="0"/>
+              </a:ext>
+            </a:extLst>
+          </a:blip>
+          <a:srcRect/>
           <a:stretch>
             <a:fillRect/>
           </a:stretch>
         </p:blipFill>
-        <p:spPr>
-          <a:xfrm>
-            <a:off x="1112553" y="1054359"/>
-            <a:ext cx="9966893" cy="5337110"/>
-          </a:xfrm>
-          <a:prstGeom prst="rect">
-            <a:avLst/>
-          </a:prstGeom>
+        <p:spPr bwMode="auto">
+          <a:xfrm>
+            <a:off x="1478902" y="1128584"/>
+            <a:ext cx="9234196" cy="4416302"/>
+          </a:xfrm>
+          <a:prstGeom prst="rect">
+            <a:avLst/>
+          </a:prstGeom>
+          <a:noFill/>
+          <a:extLst>
+            <a:ext uri="{909E8E84-426E-40DD-AFC4-6F175D3DCCD1}">
+              <a14:hiddenFill xmlns:a14="http://schemas.microsoft.com/office/drawing/2010/main">
+                <a:solidFill>
+                  <a:srgbClr val="FFFFFF"/>
+                </a:solidFill>
+              </a14:hiddenFill>
+            </a:ext>
+          </a:extLst>
         </p:spPr>
       </p:pic>
     </p:spTree>
@@ -29034,7 +29861,7 @@
 </p:sld>
 </file>
 
-<file path=ppt/slides/slide17.xml><?xml version="1.0" encoding="utf-8"?>
+<file path=ppt/slides/slide18.xml><?xml version="1.0" encoding="utf-8"?>
 <p:sld xmlns:a="http://schemas.openxmlformats.org/drawingml/2006/main" xmlns:r="http://schemas.openxmlformats.org/officeDocument/2006/relationships" xmlns:p="http://schemas.openxmlformats.org/presentationml/2006/main">
   <p:cSld>
     <p:spTree>
@@ -36009,56 +36836,6 @@
           </a:p>
         </p:txBody>
       </p:sp>
-      <p:sp>
-        <p:nvSpPr>
-          <p:cNvPr id="452" name="Google Shape;452;p38"/>
-          <p:cNvSpPr txBox="1">
-            <a:spLocks noGrp="1"/>
-          </p:cNvSpPr>
-          <p:nvPr>
-            <p:ph type="subTitle" idx="1"/>
-          </p:nvPr>
-        </p:nvSpPr>
-        <p:spPr>
-          <a:xfrm>
-            <a:off x="1040067" y="5028200"/>
-            <a:ext cx="5571200" cy="567600"/>
-          </a:xfrm>
-          <a:prstGeom prst="rect">
-            <a:avLst/>
-          </a:prstGeom>
-        </p:spPr>
-        <p:txBody>
-          <a:bodyPr spcFirstLastPara="1" wrap="square" lIns="121900" tIns="121900" rIns="121900" bIns="121900" anchor="t" anchorCtr="0">
-            <a:noAutofit/>
-          </a:bodyPr>
-          <a:lstStyle/>
-          <a:p>
-            <a:pPr marL="0" indent="0">
-              <a:spcAft>
-                <a:spcPts val="2133"/>
-              </a:spcAft>
-              <a:buClr>
-                <a:schemeClr val="dk1"/>
-              </a:buClr>
-              <a:buSzPts val="1100"/>
-            </a:pPr>
-            <a:r>
-              <a:rPr lang="en">
-                <a:solidFill>
-                  <a:schemeClr val="accent2"/>
-                </a:solidFill>
-              </a:rPr>
-              <a:t>You can enter a subtitle here if you need it</a:t>
-            </a:r>
-            <a:endParaRPr>
-              <a:solidFill>
-                <a:schemeClr val="accent2"/>
-              </a:solidFill>
-            </a:endParaRPr>
-          </a:p>
-        </p:txBody>
-      </p:sp>
     </p:spTree>
   </p:cSld>
   <p:clrMapOvr>
@@ -36118,7 +36895,7 @@
                 <a:effectLst/>
                 <a:latin typeface="Archivo ExtraBold"/>
               </a:rPr>
-              <a:t>Phân tích cảm xúc các tweets trên Twitter là một kỹ thuật xử lý ngôn ngữ tự nhiên (NLP) nhằm xác định cảm xúc tích cực, tiêu cực hoặc trung lập của một tweet. Kỹ thuật này có thể được sử dụng để hiểu tâm lý của người dùng Twitter, theo dõi xu hướng dư luận và phát hiện các cuộc tấn công mạng.</a:t>
+              <a:t>Phân tích cảm xúc các tweets trên Twitter là một kỹ thuật xử lý ngôn ngữ tự nhiên nhằm xác định cảm xúc tích cực, tiêu cực hoặc trung lập của một tweet. Kỹ thuật này có thể được sử dụng để hiểu tâm lý của người dùng Twitter, theo dõi xu hướng dư luận và phát hiện các cuộc tấn công mạng.</a:t>
             </a:r>
           </a:p>
           <a:p>
